--- a/data/things_for_the_praesi/settlement_workflow.pptx
+++ b/data/things_for_the_praesi/settlement_workflow.pptx
@@ -13,6 +13,7 @@
     <p:sldId id="261" r:id="rId8"/>
     <p:sldId id="262" r:id="rId9"/>
     <p:sldId id="263" r:id="rId10"/>
+    <p:sldId id="264" r:id="rId11"/>
   </p:sldIdLst>
   <p:sldSz cx="10080625" cy="5670550"/>
   <p:notesSz cx="7559675" cy="10691812"/>
@@ -1395,31 +1396,7 @@
               <a:rPr b="0" lang="de-DE" sz="4400" spc="-1" strike="noStrike">
                 <a:latin typeface="Arial"/>
               </a:rPr>
-              <a:t>Click </a:t>
-            </a:r>
-            <a:r>
-              <a:rPr b="0" lang="de-DE" sz="4400" spc="-1" strike="noStrike">
-                <a:latin typeface="Arial"/>
-              </a:rPr>
-              <a:t>to edit </a:t>
-            </a:r>
-            <a:r>
-              <a:rPr b="0" lang="de-DE" sz="4400" spc="-1" strike="noStrike">
-                <a:latin typeface="Arial"/>
-              </a:rPr>
-              <a:t>the </a:t>
-            </a:r>
-            <a:r>
-              <a:rPr b="0" lang="de-DE" sz="4400" spc="-1" strike="noStrike">
-                <a:latin typeface="Arial"/>
-              </a:rPr>
-              <a:t>title </a:t>
-            </a:r>
-            <a:r>
-              <a:rPr b="0" lang="de-DE" sz="4400" spc="-1" strike="noStrike">
-                <a:latin typeface="Arial"/>
-              </a:rPr>
-              <a:t>text </a:t>
+              <a:t>Click to edit the title text </a:t>
             </a:r>
             <a:r>
               <a:rPr b="0" lang="de-DE" sz="4400" spc="-1" strike="noStrike">
@@ -1638,7 +1615,7 @@
               <a:rPr b="0" lang="de-DE" sz="1400" spc="-1" strike="noStrike">
                 <a:latin typeface="Times New Roman"/>
               </a:rPr>
-              <a:t>&lt;date/time&gt;</a:t>
+              <a:t> </a:t>
             </a:r>
             <a:endParaRPr b="0" lang="de-DE" sz="1400" spc="-1" strike="noStrike">
               <a:latin typeface="Times New Roman"/>
@@ -1673,7 +1650,7 @@
               <a:rPr b="0" lang="de-DE" sz="1400" spc="-1" strike="noStrike">
                 <a:latin typeface="Times New Roman"/>
               </a:rPr>
-              <a:t>&lt;footer&gt;</a:t>
+              <a:t> </a:t>
             </a:r>
             <a:endParaRPr b="0" lang="de-DE" sz="1400" spc="-1" strike="noStrike">
               <a:latin typeface="Times New Roman"/>
@@ -1704,11 +1681,11 @@
           <a:bodyPr lIns="0" rIns="0" tIns="0" bIns="0"/>
           <a:p>
             <a:pPr algn="r"/>
-            <a:fld id="{582B00D3-EFC2-4A52-BF74-4FCDDC037DC4}" type="slidenum">
+            <a:fld id="{FF0C947A-63BB-4D88-AAFB-CE9D647E27A9}" type="slidenum">
               <a:rPr b="0" lang="de-DE" sz="1400" spc="-1" strike="noStrike">
                 <a:latin typeface="Times New Roman"/>
               </a:rPr>
-              <a:t>&lt;number&gt;</a:t>
+              <a:t>1</a:t>
             </a:fld>
             <a:endParaRPr b="0" lang="de-DE" sz="1400" spc="-1" strike="noStrike">
               <a:latin typeface="Times New Roman"/>
@@ -3482,6 +3459,180 @@
           <p:childTnLst>
             <p:seq>
               <p:cTn id="16" dur="indefinite" nodeType="mainSeq"/>
+              <p:prevCondLst>
+                <p:cond delay="0" evt="onPrev">
+                  <p:tgtEl>
+                    <p:sldTgt/>
+                  </p:tgtEl>
+                </p:cond>
+              </p:prevCondLst>
+              <p:nextCondLst>
+                <p:cond delay="0" evt="onNext">
+                  <p:tgtEl>
+                    <p:sldTgt/>
+                  </p:tgtEl>
+                </p:cond>
+              </p:nextCondLst>
+            </p:seq>
+          </p:childTnLst>
+        </p:cTn>
+      </p:par>
+    </p:tnLst>
+  </p:timing>
+</p:sld>
+</file>
+
+<file path=ppt/slides/slide9.xml><?xml version="1.0" encoding="utf-8"?>
+<p:sld xmlns:a="http://schemas.openxmlformats.org/drawingml/2006/main" xmlns:p="http://schemas.openxmlformats.org/presentationml/2006/main" xmlns:r="http://schemas.openxmlformats.org/officeDocument/2006/relationships" xmlns:p14="http://schemas.microsoft.com/office/powerpoint/2010/main" xmlns:p15="http://schemas.microsoft.com/office/powerpoint/2012/main" xmlns:mc="http://schemas.openxmlformats.org/markup-compatibility/2006">
+  <p:cSld>
+    <p:spTree>
+      <p:nvGrpSpPr>
+        <p:cNvPr id="1" name=""/>
+        <p:cNvGrpSpPr/>
+        <p:nvPr/>
+      </p:nvGrpSpPr>
+      <p:grpSpPr>
+        <a:xfrm>
+          <a:off x="0" y="0"/>
+          <a:ext cx="0" cy="0"/>
+          <a:chOff x="0" y="0"/>
+          <a:chExt cx="0" cy="0"/>
+        </a:xfrm>
+      </p:grpSpPr>
+      <p:sp>
+        <p:nvSpPr>
+          <p:cNvPr id="72" name="TextShape 1"/>
+          <p:cNvSpPr txBox="1"/>
+          <p:nvPr/>
+        </p:nvSpPr>
+        <p:spPr>
+          <a:xfrm>
+            <a:off x="504000" y="226080"/>
+            <a:ext cx="9071640" cy="946440"/>
+          </a:xfrm>
+          <a:prstGeom prst="rect">
+            <a:avLst/>
+          </a:prstGeom>
+          <a:noFill/>
+          <a:ln>
+            <a:noFill/>
+          </a:ln>
+        </p:spPr>
+        <p:txBody>
+          <a:bodyPr lIns="0" rIns="0" tIns="0" bIns="0" anchor="ctr"/>
+          <a:p>
+            <a:r>
+              <a:rPr b="0" lang="de-DE" sz="4400" spc="-1" strike="noStrike">
+                <a:latin typeface="Arial"/>
+              </a:rPr>
+              <a:t>Issues</a:t>
+            </a:r>
+            <a:endParaRPr b="0" lang="de-DE" sz="4400" spc="-1" strike="noStrike">
+              <a:latin typeface="Arial"/>
+            </a:endParaRPr>
+          </a:p>
+        </p:txBody>
+      </p:sp>
+      <p:sp>
+        <p:nvSpPr>
+          <p:cNvPr id="73" name="TextShape 2"/>
+          <p:cNvSpPr txBox="1"/>
+          <p:nvPr/>
+        </p:nvSpPr>
+        <p:spPr>
+          <a:xfrm>
+            <a:off x="504000" y="1326600"/>
+            <a:ext cx="9071640" cy="3288240"/>
+          </a:xfrm>
+          <a:prstGeom prst="rect">
+            <a:avLst/>
+          </a:prstGeom>
+          <a:noFill/>
+          <a:ln>
+            <a:noFill/>
+          </a:ln>
+        </p:spPr>
+        <p:txBody>
+          <a:bodyPr lIns="0" rIns="0" tIns="0" bIns="0">
+            <a:normAutofit/>
+          </a:bodyPr>
+          <a:p>
+            <a:pPr marL="432000" indent="-324000">
+              <a:spcBef>
+                <a:spcPts val="1417"/>
+              </a:spcBef>
+              <a:buClr>
+                <a:srgbClr val="000000"/>
+              </a:buClr>
+              <a:buSzPct val="45000"/>
+              <a:buFont typeface="Wingdings" charset="2"/>
+              <a:buChar char=""/>
+            </a:pPr>
+            <a:r>
+              <a:rPr b="0" lang="de-DE" sz="3200" spc="-1" strike="noStrike">
+                <a:latin typeface="Arial"/>
+              </a:rPr>
+              <a:t>No tag for all-weather-roads</a:t>
+            </a:r>
+            <a:endParaRPr b="0" lang="de-DE" sz="3200" spc="-1" strike="noStrike">
+              <a:latin typeface="Arial"/>
+            </a:endParaRPr>
+          </a:p>
+          <a:p>
+            <a:pPr marL="432000" indent="-324000">
+              <a:spcBef>
+                <a:spcPts val="1417"/>
+              </a:spcBef>
+              <a:buClr>
+                <a:srgbClr val="000000"/>
+              </a:buClr>
+              <a:buSzPct val="45000"/>
+              <a:buFont typeface="Wingdings" charset="2"/>
+              <a:buChar char=""/>
+            </a:pPr>
+            <a:r>
+              <a:rPr b="0" lang="de-DE" sz="3200" spc="-1" strike="noStrike">
+                <a:latin typeface="Arial"/>
+              </a:rPr>
+              <a:t>Features not existing vs. Features not mapped</a:t>
+            </a:r>
+            <a:endParaRPr b="0" lang="de-DE" sz="3200" spc="-1" strike="noStrike">
+              <a:latin typeface="Arial"/>
+            </a:endParaRPr>
+          </a:p>
+          <a:p>
+            <a:pPr marL="432000" indent="-324000">
+              <a:spcBef>
+                <a:spcPts val="1417"/>
+              </a:spcBef>
+              <a:buClr>
+                <a:srgbClr val="000000"/>
+              </a:buClr>
+              <a:buSzPct val="45000"/>
+              <a:buFont typeface="Wingdings" charset="2"/>
+              <a:buChar char=""/>
+            </a:pPr>
+            <a:r>
+              <a:rPr b="0" lang="de-DE" sz="3200" spc="-1" strike="noStrike">
+                <a:latin typeface="Arial"/>
+              </a:rPr>
+              <a:t>Accuracy of base data</a:t>
+            </a:r>
+            <a:endParaRPr b="0" lang="de-DE" sz="3200" spc="-1" strike="noStrike">
+              <a:latin typeface="Arial"/>
+            </a:endParaRPr>
+          </a:p>
+        </p:txBody>
+      </p:sp>
+    </p:spTree>
+  </p:cSld>
+  <p:timing>
+    <p:tnLst>
+      <p:par>
+        <p:cTn id="17" dur="indefinite" restart="never" nodeType="tmRoot">
+          <p:childTnLst>
+            <p:seq>
+              <p:cTn id="18" dur="indefinite" nodeType="mainSeq"/>
               <p:prevCondLst>
                 <p:cond delay="0" evt="onPrev">
                   <p:tgtEl>
